--- a/reference_material/slides/009_comments_enum.pptx
+++ b/reference_material/slides/009_comments_enum.pptx
@@ -14,8 +14,9 @@
     <p:sldId id="261" r:id="rId8"/>
     <p:sldId id="262" r:id="rId9"/>
     <p:sldId id="263" r:id="rId10"/>
-    <p:sldId id="264" r:id="rId11"/>
-    <p:sldId id="265" r:id="rId12"/>
+    <p:sldId id="267" r:id="rId11"/>
+    <p:sldId id="264" r:id="rId12"/>
+    <p:sldId id="265" r:id="rId13"/>
   </p:sldIdLst>
   <p:sldSz cx="12192000" cy="6858000"/>
   <p:notesSz cx="6858000" cy="9144000"/>
@@ -114,6 +115,11 @@
       </a:defRPr>
     </a:lvl9pPr>
   </p:defaultTextStyle>
+  <p:extLst>
+    <p:ext uri="{EFAFB233-063F-42B5-8137-9DF3F51BA10A}">
+      <p15:sldGuideLst xmlns:p15="http://schemas.microsoft.com/office/powerpoint/2012/main"/>
+    </p:ext>
+  </p:extLst>
 </p:presentation>
 </file>
 
@@ -256,7 +262,7 @@
           <a:p>
             <a:fld id="{A5B2A0F4-5B9D-7D4C-9DD5-F2987D1267F4}" type="datetimeFigureOut">
               <a:rPr lang="en-US" smtClean="0"/>
-              <a:t>9/26/23</a:t>
+              <a:t>9/26/24</a:t>
             </a:fld>
             <a:endParaRPr lang="en-US"/>
           </a:p>
@@ -467,7 +473,7 @@
           <a:p>
             <a:fld id="{A5B2A0F4-5B9D-7D4C-9DD5-F2987D1267F4}" type="datetimeFigureOut">
               <a:rPr lang="en-US" smtClean="0"/>
-              <a:t>9/26/23</a:t>
+              <a:t>9/26/24</a:t>
             </a:fld>
             <a:endParaRPr lang="en-US"/>
           </a:p>
@@ -682,7 +688,7 @@
           <a:p>
             <a:fld id="{A5B2A0F4-5B9D-7D4C-9DD5-F2987D1267F4}" type="datetimeFigureOut">
               <a:rPr lang="en-US" smtClean="0"/>
-              <a:t>9/26/23</a:t>
+              <a:t>9/26/24</a:t>
             </a:fld>
             <a:endParaRPr lang="en-US"/>
           </a:p>
@@ -883,7 +889,7 @@
           <a:p>
             <a:fld id="{A5B2A0F4-5B9D-7D4C-9DD5-F2987D1267F4}" type="datetimeFigureOut">
               <a:rPr lang="en-US" smtClean="0"/>
-              <a:t>9/26/23</a:t>
+              <a:t>9/26/24</a:t>
             </a:fld>
             <a:endParaRPr lang="en-US"/>
           </a:p>
@@ -1162,7 +1168,7 @@
           <a:p>
             <a:fld id="{A5B2A0F4-5B9D-7D4C-9DD5-F2987D1267F4}" type="datetimeFigureOut">
               <a:rPr lang="en-US" smtClean="0"/>
-              <a:t>9/26/23</a:t>
+              <a:t>9/26/24</a:t>
             </a:fld>
             <a:endParaRPr lang="en-US"/>
           </a:p>
@@ -1430,7 +1436,7 @@
           <a:p>
             <a:fld id="{A5B2A0F4-5B9D-7D4C-9DD5-F2987D1267F4}" type="datetimeFigureOut">
               <a:rPr lang="en-US" smtClean="0"/>
-              <a:t>9/26/23</a:t>
+              <a:t>9/26/24</a:t>
             </a:fld>
             <a:endParaRPr lang="en-US"/>
           </a:p>
@@ -1846,7 +1852,7 @@
           <a:p>
             <a:fld id="{A5B2A0F4-5B9D-7D4C-9DD5-F2987D1267F4}" type="datetimeFigureOut">
               <a:rPr lang="en-US" smtClean="0"/>
-              <a:t>9/26/23</a:t>
+              <a:t>9/26/24</a:t>
             </a:fld>
             <a:endParaRPr lang="en-US"/>
           </a:p>
@@ -1995,7 +2001,7 @@
           <a:p>
             <a:fld id="{A5B2A0F4-5B9D-7D4C-9DD5-F2987D1267F4}" type="datetimeFigureOut">
               <a:rPr lang="en-US" smtClean="0"/>
-              <a:t>9/26/23</a:t>
+              <a:t>9/26/24</a:t>
             </a:fld>
             <a:endParaRPr lang="en-US"/>
           </a:p>
@@ -2121,7 +2127,7 @@
           <a:p>
             <a:fld id="{A5B2A0F4-5B9D-7D4C-9DD5-F2987D1267F4}" type="datetimeFigureOut">
               <a:rPr lang="en-US" smtClean="0"/>
-              <a:t>9/26/23</a:t>
+              <a:t>9/26/24</a:t>
             </a:fld>
             <a:endParaRPr lang="en-US"/>
           </a:p>
@@ -2372,7 +2378,7 @@
           <a:p>
             <a:fld id="{A5B2A0F4-5B9D-7D4C-9DD5-F2987D1267F4}" type="datetimeFigureOut">
               <a:rPr lang="en-US" smtClean="0"/>
-              <a:t>9/26/23</a:t>
+              <a:t>9/26/24</a:t>
             </a:fld>
             <a:endParaRPr lang="en-US"/>
           </a:p>
@@ -2817,7 +2823,7 @@
           <a:p>
             <a:fld id="{A5B2A0F4-5B9D-7D4C-9DD5-F2987D1267F4}" type="datetimeFigureOut">
               <a:rPr lang="en-US" smtClean="0"/>
-              <a:t>9/26/23</a:t>
+              <a:t>9/26/24</a:t>
             </a:fld>
             <a:endParaRPr lang="en-US"/>
           </a:p>
@@ -3144,7 +3150,7 @@
           <a:p>
             <a:fld id="{A5B2A0F4-5B9D-7D4C-9DD5-F2987D1267F4}" type="datetimeFigureOut">
               <a:rPr lang="en-US" smtClean="0"/>
-              <a:t>9/26/23</a:t>
+              <a:t>9/26/24</a:t>
             </a:fld>
             <a:endParaRPr lang="en-US"/>
           </a:p>
@@ -3796,6 +3802,178 @@
           <p:cNvPr id="2" name="Title 1">
             <a:extLst>
               <a:ext uri="{FF2B5EF4-FFF2-40B4-BE49-F238E27FC236}">
+                <a16:creationId xmlns:a16="http://schemas.microsoft.com/office/drawing/2014/main" id="{668CF951-6949-FB19-6367-83EA996C528F}"/>
+              </a:ext>
+            </a:extLst>
+          </p:cNvPr>
+          <p:cNvSpPr>
+            <a:spLocks noGrp="1"/>
+          </p:cNvSpPr>
+          <p:nvPr>
+            <p:ph type="title"/>
+          </p:nvPr>
+        </p:nvSpPr>
+        <p:spPr/>
+        <p:txBody>
+          <a:bodyPr/>
+          <a:lstStyle/>
+          <a:p>
+            <a:r>
+              <a:rPr lang="en-US" dirty="0"/>
+              <a:t>Commenting is Powerful!</a:t>
+            </a:r>
+          </a:p>
+        </p:txBody>
+      </p:sp>
+      <p:sp>
+        <p:nvSpPr>
+          <p:cNvPr id="3" name="Content Placeholder 2">
+            <a:extLst>
+              <a:ext uri="{FF2B5EF4-FFF2-40B4-BE49-F238E27FC236}">
+                <a16:creationId xmlns:a16="http://schemas.microsoft.com/office/drawing/2014/main" id="{702CFB7F-5982-EEAC-35D4-813DFE661950}"/>
+              </a:ext>
+            </a:extLst>
+          </p:cNvPr>
+          <p:cNvSpPr>
+            <a:spLocks noGrp="1"/>
+          </p:cNvSpPr>
+          <p:nvPr>
+            <p:ph idx="1"/>
+          </p:nvPr>
+        </p:nvSpPr>
+        <p:spPr>
+          <a:xfrm>
+            <a:off x="69575" y="1938130"/>
+            <a:ext cx="6129378" cy="4115351"/>
+          </a:xfrm>
+        </p:spPr>
+        <p:txBody>
+          <a:bodyPr/>
+          <a:lstStyle/>
+          <a:p>
+            <a:r>
+              <a:rPr lang="en-US" dirty="0"/>
+              <a:t>Commenting is most powerful because it can be automated to provide lots of documentation. </a:t>
+            </a:r>
+          </a:p>
+          <a:p>
+            <a:r>
+              <a:rPr lang="en-US" dirty="0"/>
+              <a:t>API reference sites like </a:t>
+            </a:r>
+            <a:r>
+              <a:rPr lang="en-US" dirty="0" err="1"/>
+              <a:t>sklearn</a:t>
+            </a:r>
+            <a:r>
+              <a:rPr lang="en-US" dirty="0"/>
+              <a:t> are generated. </a:t>
+            </a:r>
+          </a:p>
+          <a:p>
+            <a:r>
+              <a:rPr lang="en-US" dirty="0"/>
+              <a:t>Can also be extended with some other markup tools (quarto is one I’ve seen) that allow for more tags to be added and websites, </a:t>
+            </a:r>
+            <a:r>
+              <a:rPr lang="en-US" dirty="0" err="1"/>
+              <a:t>powerpoint</a:t>
+            </a:r>
+            <a:r>
+              <a:rPr lang="en-US" dirty="0"/>
+              <a:t> slides, word docs, </a:t>
+            </a:r>
+            <a:r>
+              <a:rPr lang="en-US" dirty="0" err="1"/>
+              <a:t>etc</a:t>
+            </a:r>
+            <a:r>
+              <a:rPr lang="en-US" dirty="0"/>
+              <a:t>… can all be generated. </a:t>
+            </a:r>
+          </a:p>
+          <a:p>
+            <a:pPr lvl="1"/>
+            <a:r>
+              <a:rPr lang="en-US" dirty="0"/>
+              <a:t>Can even generate different versions, </a:t>
+            </a:r>
+            <a:r>
+              <a:rPr lang="en-US" dirty="0" err="1"/>
+              <a:t>inst</a:t>
+            </a:r>
+            <a:r>
+              <a:rPr lang="en-US" dirty="0"/>
+              <a:t>/student. </a:t>
+            </a:r>
+          </a:p>
+        </p:txBody>
+      </p:sp>
+      <p:pic>
+        <p:nvPicPr>
+          <p:cNvPr id="4" name="Picture 3">
+            <a:extLst>
+              <a:ext uri="{FF2B5EF4-FFF2-40B4-BE49-F238E27FC236}">
+                <a16:creationId xmlns:a16="http://schemas.microsoft.com/office/drawing/2014/main" id="{D5EB5121-D85F-9F73-3F09-AE0B4852CD3A}"/>
+              </a:ext>
+            </a:extLst>
+          </p:cNvPr>
+          <p:cNvPicPr>
+            <a:picLocks noChangeAspect="1"/>
+          </p:cNvPicPr>
+          <p:nvPr/>
+        </p:nvPicPr>
+        <p:blipFill>
+          <a:blip r:embed="rId2"/>
+          <a:stretch>
+            <a:fillRect/>
+          </a:stretch>
+        </p:blipFill>
+        <p:spPr>
+          <a:xfrm>
+            <a:off x="6178399" y="2185772"/>
+            <a:ext cx="6013601" cy="3030200"/>
+          </a:xfrm>
+          <a:prstGeom prst="rect">
+            <a:avLst/>
+          </a:prstGeom>
+        </p:spPr>
+      </p:pic>
+    </p:spTree>
+    <p:extLst>
+      <p:ext uri="{BB962C8B-B14F-4D97-AF65-F5344CB8AC3E}">
+        <p14:creationId xmlns:p14="http://schemas.microsoft.com/office/powerpoint/2010/main" val="4078122347"/>
+      </p:ext>
+    </p:extLst>
+  </p:cSld>
+  <p:clrMapOvr>
+    <a:masterClrMapping/>
+  </p:clrMapOvr>
+</p:sld>
+</file>
+
+<file path=ppt/slides/slide11.xml><?xml version="1.0" encoding="utf-8"?>
+<p:sld xmlns:a="http://schemas.openxmlformats.org/drawingml/2006/main" xmlns:r="http://schemas.openxmlformats.org/officeDocument/2006/relationships" xmlns:p="http://schemas.openxmlformats.org/presentationml/2006/main">
+  <p:cSld>
+    <p:spTree>
+      <p:nvGrpSpPr>
+        <p:cNvPr id="1" name=""/>
+        <p:cNvGrpSpPr/>
+        <p:nvPr/>
+      </p:nvGrpSpPr>
+      <p:grpSpPr>
+        <a:xfrm>
+          <a:off x="0" y="0"/>
+          <a:ext cx="0" cy="0"/>
+          <a:chOff x="0" y="0"/>
+          <a:chExt cx="0" cy="0"/>
+        </a:xfrm>
+      </p:grpSpPr>
+      <p:sp>
+        <p:nvSpPr>
+          <p:cNvPr id="2" name="Title 1">
+            <a:extLst>
+              <a:ext uri="{FF2B5EF4-FFF2-40B4-BE49-F238E27FC236}">
                 <a16:creationId xmlns:a16="http://schemas.microsoft.com/office/drawing/2014/main" id="{AF1EE32F-D369-384B-39ED-0A15BD89C48D}"/>
               </a:ext>
             </a:extLst>
@@ -3925,7 +4103,7 @@
 </p:sld>
 </file>
 
-<file path=ppt/slides/slide11.xml><?xml version="1.0" encoding="utf-8"?>
+<file path=ppt/slides/slide12.xml><?xml version="1.0" encoding="utf-8"?>
 <p:sld xmlns:a="http://schemas.openxmlformats.org/drawingml/2006/main" xmlns:r="http://schemas.openxmlformats.org/officeDocument/2006/relationships" xmlns:p="http://schemas.openxmlformats.org/presentationml/2006/main">
   <p:cSld>
     <p:bg>
@@ -4065,8 +4243,8 @@
         </p:nvSpPr>
         <p:spPr>
           <a:xfrm>
-            <a:off x="5466523" y="2015734"/>
-            <a:ext cx="6221894" cy="3947744"/>
+            <a:off x="5327374" y="1853754"/>
+            <a:ext cx="6864625" cy="4109724"/>
           </a:xfrm>
         </p:spPr>
         <p:txBody>
@@ -4091,6 +4269,27 @@
             <a:r>
               <a:rPr lang="en-US" sz="2600" dirty="0"/>
               <a:t>Separately or as a tuple. </a:t>
+            </a:r>
+          </a:p>
+          <a:p>
+            <a:r>
+              <a:rPr lang="en-US" sz="2800" dirty="0"/>
+              <a:t>Useful if we want to track pos/count in a for loop. </a:t>
+            </a:r>
+          </a:p>
+          <a:p>
+            <a:pPr lvl="1"/>
+            <a:r>
+              <a:rPr lang="en-US" sz="2600" dirty="0"/>
+              <a:t>Searching a </a:t>
+            </a:r>
+            <a:r>
+              <a:rPr lang="en-US" sz="2600" dirty="0" err="1"/>
+              <a:t>dataframe</a:t>
+            </a:r>
+            <a:r>
+              <a:rPr lang="en-US" sz="2600" dirty="0"/>
+              <a:t> and keeping index. </a:t>
             </a:r>
           </a:p>
         </p:txBody>
@@ -4599,8 +4798,8 @@
               </a:lnSpc>
             </a:pPr>
             <a:r>
-              <a:rPr lang="en-US" sz="2400" dirty="0"/>
-              <a:t>If in doubt, comment. </a:t>
+              <a:rPr lang="en-US" sz="2400" b="1" i="1" dirty="0"/>
+              <a:t>If in doubt, comment it out!</a:t>
             </a:r>
           </a:p>
         </p:txBody>
@@ -4686,7 +4885,9 @@
           </a:xfrm>
         </p:spPr>
         <p:txBody>
-          <a:bodyPr/>
+          <a:bodyPr>
+            <a:normAutofit lnSpcReduction="10000"/>
+          </a:bodyPr>
           <a:lstStyle/>
           <a:p>
             <a:r>
@@ -4720,6 +4921,18 @@
               <a:rPr lang="en-US" dirty="0"/>
               <a:t>Trying different models and observing the results. </a:t>
             </a:r>
+          </a:p>
+          <a:p>
+            <a:pPr lvl="1"/>
+            <a:r>
+              <a:rPr lang="en-US" dirty="0"/>
+              <a:t>We’d do our figuring out in a notebook, then the actual production code would be a .</a:t>
+            </a:r>
+            <a:r>
+              <a:rPr lang="en-US" dirty="0" err="1"/>
+              <a:t>py</a:t>
+            </a:r>
+            <a:endParaRPr lang="en-US" dirty="0"/>
           </a:p>
           <a:p>
             <a:r>
@@ -5966,13 +6179,6 @@
             <a:r>
               <a:rPr lang="en-US" dirty="0"/>
               <a:t>Everyone structures comments similarly. </a:t>
-            </a:r>
-          </a:p>
-          <a:p>
-            <a:pPr lvl="1"/>
-            <a:r>
-              <a:rPr lang="en-US" dirty="0"/>
-              <a:t>May be wrapped into automated documentation. </a:t>
             </a:r>
           </a:p>
           <a:p>
